--- a/Slide Docker Z.pptx
+++ b/Slide Docker Z.pptx
@@ -339,7 +339,7 @@
             <a:fld id="{4630115F-65E7-4948-BBBD-A84F05213A84}" type="datetimeFigureOut">
               <a:rPr lang="en-US" smtClean="0"/>
               <a:pPr/>
-              <a:t>03/13/2020</a:t>
+              <a:t>11/1/2021</a:t>
             </a:fld>
             <a:endParaRPr lang="en-US"/>
           </a:p>
@@ -394,7 +394,7 @@
             <a:fld id="{D601DDA6-1DBC-4F4A-8EE5-258398DC1DCD}" type="slidenum">
               <a:rPr lang="en-US" smtClean="0"/>
               <a:pPr/>
-              <a:t>‹#›</a:t>
+              <a:t>‹N°›</a:t>
             </a:fld>
             <a:endParaRPr lang="en-US"/>
           </a:p>
@@ -539,7 +539,7 @@
             <a:fld id="{4630115F-65E7-4948-BBBD-A84F05213A84}" type="datetimeFigureOut">
               <a:rPr lang="en-US" smtClean="0"/>
               <a:pPr/>
-              <a:t>03/13/2020</a:t>
+              <a:t>11/1/2021</a:t>
             </a:fld>
             <a:endParaRPr lang="en-US"/>
           </a:p>
@@ -594,7 +594,7 @@
             <a:fld id="{D601DDA6-1DBC-4F4A-8EE5-258398DC1DCD}" type="slidenum">
               <a:rPr lang="en-US" smtClean="0"/>
               <a:pPr/>
-              <a:t>‹#›</a:t>
+              <a:t>‹N°›</a:t>
             </a:fld>
             <a:endParaRPr lang="en-US"/>
           </a:p>
@@ -749,7 +749,7 @@
             <a:fld id="{4630115F-65E7-4948-BBBD-A84F05213A84}" type="datetimeFigureOut">
               <a:rPr lang="en-US" smtClean="0"/>
               <a:pPr/>
-              <a:t>03/13/2020</a:t>
+              <a:t>11/1/2021</a:t>
             </a:fld>
             <a:endParaRPr lang="en-US"/>
           </a:p>
@@ -804,7 +804,7 @@
             <a:fld id="{D601DDA6-1DBC-4F4A-8EE5-258398DC1DCD}" type="slidenum">
               <a:rPr lang="en-US" smtClean="0"/>
               <a:pPr/>
-              <a:t>‹#›</a:t>
+              <a:t>‹N°›</a:t>
             </a:fld>
             <a:endParaRPr lang="en-US"/>
           </a:p>
@@ -949,7 +949,7 @@
             <a:fld id="{4630115F-65E7-4948-BBBD-A84F05213A84}" type="datetimeFigureOut">
               <a:rPr lang="en-US" smtClean="0"/>
               <a:pPr/>
-              <a:t>03/13/2020</a:t>
+              <a:t>11/1/2021</a:t>
             </a:fld>
             <a:endParaRPr lang="en-US"/>
           </a:p>
@@ -1004,7 +1004,7 @@
             <a:fld id="{D601DDA6-1DBC-4F4A-8EE5-258398DC1DCD}" type="slidenum">
               <a:rPr lang="en-US" smtClean="0"/>
               <a:pPr/>
-              <a:t>‹#›</a:t>
+              <a:t>‹N°›</a:t>
             </a:fld>
             <a:endParaRPr lang="en-US"/>
           </a:p>
@@ -1226,7 +1226,7 @@
             <a:fld id="{4630115F-65E7-4948-BBBD-A84F05213A84}" type="datetimeFigureOut">
               <a:rPr lang="en-US" smtClean="0"/>
               <a:pPr/>
-              <a:t>03/13/2020</a:t>
+              <a:t>11/1/2021</a:t>
             </a:fld>
             <a:endParaRPr lang="en-US"/>
           </a:p>
@@ -1281,7 +1281,7 @@
             <a:fld id="{D601DDA6-1DBC-4F4A-8EE5-258398DC1DCD}" type="slidenum">
               <a:rPr lang="en-US" smtClean="0"/>
               <a:pPr/>
-              <a:t>‹#›</a:t>
+              <a:t>‹N°›</a:t>
             </a:fld>
             <a:endParaRPr lang="en-US"/>
           </a:p>
@@ -1493,7 +1493,7 @@
             <a:fld id="{4630115F-65E7-4948-BBBD-A84F05213A84}" type="datetimeFigureOut">
               <a:rPr lang="en-US" smtClean="0"/>
               <a:pPr/>
-              <a:t>03/13/2020</a:t>
+              <a:t>11/1/2021</a:t>
             </a:fld>
             <a:endParaRPr lang="en-US"/>
           </a:p>
@@ -1548,7 +1548,7 @@
             <a:fld id="{D601DDA6-1DBC-4F4A-8EE5-258398DC1DCD}" type="slidenum">
               <a:rPr lang="en-US" smtClean="0"/>
               <a:pPr/>
-              <a:t>‹#›</a:t>
+              <a:t>‹N°›</a:t>
             </a:fld>
             <a:endParaRPr lang="en-US"/>
           </a:p>
@@ -1907,7 +1907,7 @@
             <a:fld id="{4630115F-65E7-4948-BBBD-A84F05213A84}" type="datetimeFigureOut">
               <a:rPr lang="en-US" smtClean="0"/>
               <a:pPr/>
-              <a:t>03/13/2020</a:t>
+              <a:t>11/1/2021</a:t>
             </a:fld>
             <a:endParaRPr lang="en-US"/>
           </a:p>
@@ -1962,7 +1962,7 @@
             <a:fld id="{D601DDA6-1DBC-4F4A-8EE5-258398DC1DCD}" type="slidenum">
               <a:rPr lang="en-US" smtClean="0"/>
               <a:pPr/>
-              <a:t>‹#›</a:t>
+              <a:t>‹N°›</a:t>
             </a:fld>
             <a:endParaRPr lang="en-US"/>
           </a:p>
@@ -2050,7 +2050,7 @@
             <a:fld id="{4630115F-65E7-4948-BBBD-A84F05213A84}" type="datetimeFigureOut">
               <a:rPr lang="en-US" smtClean="0"/>
               <a:pPr/>
-              <a:t>03/13/2020</a:t>
+              <a:t>11/1/2021</a:t>
             </a:fld>
             <a:endParaRPr lang="en-US"/>
           </a:p>
@@ -2105,7 +2105,7 @@
             <a:fld id="{D601DDA6-1DBC-4F4A-8EE5-258398DC1DCD}" type="slidenum">
               <a:rPr lang="en-US" smtClean="0"/>
               <a:pPr/>
-              <a:t>‹#›</a:t>
+              <a:t>‹N°›</a:t>
             </a:fld>
             <a:endParaRPr lang="en-US"/>
           </a:p>
@@ -2165,7 +2165,7 @@
             <a:fld id="{4630115F-65E7-4948-BBBD-A84F05213A84}" type="datetimeFigureOut">
               <a:rPr lang="en-US" smtClean="0"/>
               <a:pPr/>
-              <a:t>03/13/2020</a:t>
+              <a:t>11/1/2021</a:t>
             </a:fld>
             <a:endParaRPr lang="en-US"/>
           </a:p>
@@ -2220,7 +2220,7 @@
             <a:fld id="{D601DDA6-1DBC-4F4A-8EE5-258398DC1DCD}" type="slidenum">
               <a:rPr lang="en-US" smtClean="0"/>
               <a:pPr/>
-              <a:t>‹#›</a:t>
+              <a:t>‹N°›</a:t>
             </a:fld>
             <a:endParaRPr lang="en-US"/>
           </a:p>
@@ -2478,7 +2478,7 @@
             <a:fld id="{4630115F-65E7-4948-BBBD-A84F05213A84}" type="datetimeFigureOut">
               <a:rPr lang="en-US" smtClean="0"/>
               <a:pPr/>
-              <a:t>03/13/2020</a:t>
+              <a:t>11/1/2021</a:t>
             </a:fld>
             <a:endParaRPr lang="en-US"/>
           </a:p>
@@ -2533,7 +2533,7 @@
             <a:fld id="{D601DDA6-1DBC-4F4A-8EE5-258398DC1DCD}" type="slidenum">
               <a:rPr lang="en-US" smtClean="0"/>
               <a:pPr/>
-              <a:t>‹#›</a:t>
+              <a:t>‹N°›</a:t>
             </a:fld>
             <a:endParaRPr lang="en-US"/>
           </a:p>
@@ -2768,7 +2768,7 @@
             <a:fld id="{4630115F-65E7-4948-BBBD-A84F05213A84}" type="datetimeFigureOut">
               <a:rPr lang="en-US" smtClean="0"/>
               <a:pPr/>
-              <a:t>03/13/2020</a:t>
+              <a:t>11/1/2021</a:t>
             </a:fld>
             <a:endParaRPr lang="en-US"/>
           </a:p>
@@ -2823,7 +2823,7 @@
             <a:fld id="{D601DDA6-1DBC-4F4A-8EE5-258398DC1DCD}" type="slidenum">
               <a:rPr lang="en-US" smtClean="0"/>
               <a:pPr/>
-              <a:t>‹#›</a:t>
+              <a:t>‹N°›</a:t>
             </a:fld>
             <a:endParaRPr lang="en-US"/>
           </a:p>
@@ -3014,7 +3014,7 @@
             <a:fld id="{4630115F-65E7-4948-BBBD-A84F05213A84}" type="datetimeFigureOut">
               <a:rPr lang="en-US" smtClean="0"/>
               <a:pPr/>
-              <a:t>03/13/2020</a:t>
+              <a:t>11/1/2021</a:t>
             </a:fld>
             <a:endParaRPr lang="en-US"/>
           </a:p>
@@ -3105,7 +3105,7 @@
             <a:fld id="{D601DDA6-1DBC-4F4A-8EE5-258398DC1DCD}" type="slidenum">
               <a:rPr lang="en-US" smtClean="0"/>
               <a:pPr/>
-              <a:t>‹#›</a:t>
+              <a:t>‹N°›</a:t>
             </a:fld>
             <a:endParaRPr lang="en-US"/>
           </a:p>
@@ -6095,7 +6095,7 @@
           <a:p>
             <a:r>
               <a:rPr lang="en-US" sz="2400" dirty="0"/>
-              <a:t>docker run docker run -d -p 80:8080 </a:t>
+              <a:t>docker run -d -p 80:8080 </a:t>
             </a:r>
             <a:r>
               <a:rPr lang="en-US" sz="2400" dirty="0" err="1"/>
@@ -9403,9 +9403,8 @@
                   <a:srgbClr val="007791"/>
                 </a:solidFill>
                 <a:latin typeface="open sans"/>
-                <a:hlinkClick r:id="rId2"/>
-              </a:rPr>
-              <a:t>https://katacoda.com/kodekloud/scenarios/docker-for-beginners-fcc-basiccommands</a:t>
+              </a:rPr>
+              <a:t>https://kodekloud.com/courses/labs-docker-for-the-absolute-beginner-hands-on/</a:t>
             </a:r>
             <a:endParaRPr lang="fr-FR" dirty="0"/>
           </a:p>
@@ -11062,9 +11061,8 @@
                   <a:srgbClr val="007791"/>
                 </a:solidFill>
                 <a:latin typeface="open sans"/>
-                <a:hlinkClick r:id="rId2"/>
-              </a:rPr>
-              <a:t>https://katacoda.com/kodekloud/scenarios/docker-for-beginners-fcc-run</a:t>
+              </a:rPr>
+              <a:t>https://kodekloud.com/courses/labs-docker-for-the-absolute-beginner-hands-on/</a:t>
             </a:r>
             <a:endParaRPr lang="fr-FR" dirty="0"/>
           </a:p>
@@ -17053,12 +17051,12 @@
           <a:graphicData uri="http://schemas.openxmlformats.org/presentationml/2006/ole">
             <mc:AlternateContent xmlns:mc="http://schemas.openxmlformats.org/markup-compatibility/2006">
               <mc:Choice xmlns:v="urn:schemas-microsoft-com:vml" Requires="v">
-                <p:oleObj spid="_x0000_s1228" name="Objet d’environnement du Gestionnaire de liaisons" showAsIcon="1" r:id="rId3" imgW="1636920" imgH="440280" progId="Package">
+                <p:oleObj name="Objet d’environnement du Gestionnaire de liaisons" showAsIcon="1" r:id="rId2" imgW="1636920" imgH="440280" progId="Package">
                   <p:embed/>
                 </p:oleObj>
               </mc:Choice>
               <mc:Fallback>
-                <p:oleObj name="Objet d’environnement du Gestionnaire de liaisons" showAsIcon="1" r:id="rId3" imgW="1636920" imgH="440280" progId="Package">
+                <p:oleObj name="Objet d’environnement du Gestionnaire de liaisons" showAsIcon="1" r:id="rId2" imgW="1636920" imgH="440280" progId="Package">
                   <p:embed/>
                   <p:pic>
                     <p:nvPicPr>
@@ -17067,7 +17065,7 @@
                       <p:nvPr/>
                     </p:nvPicPr>
                     <p:blipFill>
-                      <a:blip r:embed="rId4"/>
+                      <a:blip r:embed="rId3"/>
                       <a:stretch>
                         <a:fillRect/>
                       </a:stretch>
@@ -17116,12 +17114,12 @@
           <a:graphicData uri="http://schemas.openxmlformats.org/presentationml/2006/ole">
             <mc:AlternateContent xmlns:mc="http://schemas.openxmlformats.org/markup-compatibility/2006">
               <mc:Choice xmlns:v="urn:schemas-microsoft-com:vml" Requires="v">
-                <p:oleObj spid="_x0000_s1229" name="Packager Shell Object" showAsIcon="1" r:id="rId5" imgW="578160" imgH="440280" progId="Package">
+                <p:oleObj name="Packager Shell Object" showAsIcon="1" r:id="rId4" imgW="578160" imgH="440280" progId="Package">
                   <p:embed/>
                 </p:oleObj>
               </mc:Choice>
               <mc:Fallback>
-                <p:oleObj name="Packager Shell Object" showAsIcon="1" r:id="rId5" imgW="578160" imgH="440280" progId="Package">
+                <p:oleObj name="Packager Shell Object" showAsIcon="1" r:id="rId4" imgW="578160" imgH="440280" progId="Package">
                   <p:embed/>
                   <p:pic>
                     <p:nvPicPr>
@@ -17130,7 +17128,7 @@
                       <p:nvPr/>
                     </p:nvPicPr>
                     <p:blipFill>
-                      <a:blip r:embed="rId6"/>
+                      <a:blip r:embed="rId5"/>
                       <a:stretch>
                         <a:fillRect/>
                       </a:stretch>
@@ -17277,16 +17275,9 @@
                   <a:srgbClr val="007791"/>
                 </a:solidFill>
                 <a:latin typeface="open sans"/>
-                <a:hlinkClick r:id="rId2"/>
-              </a:rPr>
-              <a:t>https://katacoda.com/kodekloud/scenarios/docker-for-beginners-fcc-images</a:t>
-            </a:r>
-            <a:endParaRPr lang="fr-FR" dirty="0">
-              <a:solidFill>
-                <a:srgbClr val="007791"/>
-              </a:solidFill>
-              <a:latin typeface="open sans"/>
-            </a:endParaRPr>
+              </a:rPr>
+              <a:t>https://kodekloud.com/courses/labs-docker-for-the-absolute-beginner-hands-on/</a:t>
+            </a:r>
           </a:p>
         </p:txBody>
       </p:sp>
@@ -18344,7 +18335,7 @@
         <p:spPr>
           <a:xfrm>
             <a:off x="2895448" y="4351539"/>
-            <a:ext cx="6096000" cy="646331"/>
+            <a:ext cx="6096000" cy="923330"/>
           </a:xfrm>
           <a:prstGeom prst="rect">
             <a:avLst/>
@@ -18357,15 +18348,14 @@
           <a:lstStyle/>
           <a:p>
             <a:r>
-              <a:rPr lang="fr-FR" dirty="0"/>
-              <a:t> </a:t>
-            </a:r>
-            <a:r>
               <a:rPr lang="fr-FR" dirty="0">
                 <a:hlinkClick r:id="rId2"/>
               </a:rPr>
-              <a:t>https://katacoda.com/kodekloud/scenarios/docker-for-beginners-fcc-env-vars</a:t>
-            </a:r>
+              <a:t>https://kodekloud.com/courses/labs-docker-for-the-absolute-beginner-hands-on/</a:t>
+            </a:r>
+            <a:endParaRPr lang="fr-FR" dirty="0"/>
+          </a:p>
+          <a:p>
             <a:endParaRPr lang="fr-FR" dirty="0"/>
           </a:p>
         </p:txBody>
@@ -19590,7 +19580,7 @@
         <p:spPr>
           <a:xfrm>
             <a:off x="2895448" y="4351539"/>
-            <a:ext cx="6096000" cy="646331"/>
+            <a:ext cx="6096000" cy="923330"/>
           </a:xfrm>
           <a:prstGeom prst="rect">
             <a:avLst/>
@@ -19606,8 +19596,11 @@
               <a:rPr lang="fr-FR" dirty="0">
                 <a:hlinkClick r:id="rId2"/>
               </a:rPr>
-              <a:t>https://katacoda.com/kodekloud/scenarios/docker-for-beginners-fcc-storage</a:t>
-            </a:r>
+              <a:t>https://kodekloud.com/courses/labs-docker-for-the-absolute-beginner-hands-on/</a:t>
+            </a:r>
+            <a:endParaRPr lang="fr-FR" dirty="0"/>
+          </a:p>
+          <a:p>
             <a:endParaRPr lang="fr-FR" dirty="0"/>
           </a:p>
         </p:txBody>
@@ -20880,7 +20873,7 @@
         <p:spPr>
           <a:xfrm>
             <a:off x="2895448" y="4351539"/>
-            <a:ext cx="6096000" cy="646331"/>
+            <a:ext cx="6096000" cy="923330"/>
           </a:xfrm>
           <a:prstGeom prst="rect">
             <a:avLst/>
@@ -20896,8 +20889,11 @@
               <a:rPr lang="fr-FR" dirty="0">
                 <a:hlinkClick r:id="rId2"/>
               </a:rPr>
-              <a:t>https://katacoda.com/kodekloud/scenarios/docker-for-beginners-fcc-network</a:t>
-            </a:r>
+              <a:t>https://kodekloud.com/courses/labs-docker-for-the-absolute-beginner-hands-on/</a:t>
+            </a:r>
+            <a:endParaRPr lang="fr-FR" dirty="0"/>
+          </a:p>
+          <a:p>
             <a:endParaRPr lang="fr-FR" dirty="0"/>
           </a:p>
         </p:txBody>
@@ -22249,7 +22245,7 @@
         <p:spPr>
           <a:xfrm>
             <a:off x="2895448" y="4351539"/>
-            <a:ext cx="6096000" cy="646331"/>
+            <a:ext cx="6096000" cy="923330"/>
           </a:xfrm>
           <a:prstGeom prst="rect">
             <a:avLst/>
@@ -22262,15 +22258,14 @@
           <a:lstStyle/>
           <a:p>
             <a:r>
-              <a:rPr lang="fr-FR" dirty="0"/>
-              <a:t> </a:t>
-            </a:r>
-            <a:r>
               <a:rPr lang="fr-FR" dirty="0">
                 <a:hlinkClick r:id="rId2"/>
               </a:rPr>
-              <a:t>https://katacoda.com/kodekloud/scenarios/docker-for-beginners-fcc-compose</a:t>
-            </a:r>
+              <a:t>https://kodekloud.com/courses/labs-docker-for-the-absolute-beginner-hands-on/</a:t>
+            </a:r>
+            <a:endParaRPr lang="fr-FR" dirty="0"/>
+          </a:p>
+          <a:p>
             <a:endParaRPr lang="fr-FR" dirty="0"/>
           </a:p>
         </p:txBody>
